--- a/DSP实验课_实验三.pptx
+++ b/DSP实验课_实验三.pptx
@@ -212,7 +212,7 @@
           <a:p>
             <a:fld id="{63DFE78F-58BC-423A-A341-D0065C580108}" type="datetimeFigureOut">
               <a:rPr lang="zh-CN" altLang="en-US" smtClean="0"/>
-              <a:t>2019/5/20/Monday</a:t>
+              <a:t>2019/5/22/Wednesday</a:t>
             </a:fld>
             <a:endParaRPr lang="zh-CN" altLang="en-US"/>
           </a:p>
@@ -7607,7 +7607,7 @@
             </a:r>
             <a:r>
               <a:rPr lang="en-US" altLang="zh-CN" dirty="0" smtClean="0"/>
-              <a:t>16</a:t>
+              <a:t>22</a:t>
             </a:r>
             <a:r>
               <a:rPr lang="zh-CN" altLang="en-US" dirty="0" smtClean="0"/>
@@ -9220,8 +9220,16 @@
               <a:t>EPWM1A</a:t>
             </a:r>
             <a:r>
+              <a:rPr lang="zh-CN" altLang="en-US" dirty="0">
+                <a:solidFill>
+                  <a:srgbClr val="FF0000"/>
+                </a:solidFill>
+              </a:rPr>
+              <a:t>互补</a:t>
+            </a:r>
+            <a:r>
               <a:rPr lang="zh-CN" altLang="en-US" dirty="0"/>
-              <a:t>互补；设置死区为</a:t>
+              <a:t>；设置死区为</a:t>
             </a:r>
             <a:r>
               <a:rPr lang="en-US" dirty="0"/>
@@ -9839,7 +9847,7 @@
         <p:spPr>
           <a:xfrm>
             <a:off x="658699" y="1715140"/>
-            <a:ext cx="8092023" cy="1754326"/>
+            <a:ext cx="10724154" cy="1754326"/>
           </a:xfrm>
           <a:prstGeom prst="rect">
             <a:avLst/>
@@ -9960,6 +9968,26 @@
             <a:r>
               <a:rPr lang="en-US" altLang="zh-CN" dirty="0" err="1" smtClean="0"/>
               <a:t>EPWMxB</a:t>
+            </a:r>
+            <a:r>
+              <a:rPr lang="en-US" altLang="zh-CN" sz="1400" dirty="0" smtClean="0"/>
+              <a:t>(</a:t>
+            </a:r>
+            <a:r>
+              <a:rPr lang="zh-CN" altLang="en-US" sz="1400" dirty="0" smtClean="0">
+                <a:solidFill>
+                  <a:srgbClr val="FF0000"/>
+                </a:solidFill>
+              </a:rPr>
+              <a:t>查看手册是否默认是互补模式</a:t>
+            </a:r>
+            <a:r>
+              <a:rPr lang="zh-CN" altLang="en-US" sz="1400" dirty="0" smtClean="0"/>
+              <a:t>？</a:t>
+            </a:r>
+            <a:r>
+              <a:rPr lang="en-US" altLang="zh-CN" sz="1400" dirty="0" smtClean="0"/>
+              <a:t>)</a:t>
             </a:r>
             <a:r>
               <a:rPr lang="zh-CN" altLang="en-US" dirty="0" smtClean="0"/>
@@ -10389,15 +10417,7 @@
                   <a:srgbClr val="FF0000"/>
                 </a:solidFill>
               </a:rPr>
-              <a:t>动作</a:t>
-            </a:r>
-            <a:r>
-              <a:rPr lang="zh-CN" altLang="en-US" dirty="0">
-                <a:solidFill>
-                  <a:srgbClr val="FF0000"/>
-                </a:solidFill>
-              </a:rPr>
-              <a:t>限定模块</a:t>
+              <a:t>动作限定模块</a:t>
             </a:r>
             <a:r>
               <a:rPr lang="en-US" altLang="zh-CN" dirty="0"/>
@@ -10565,15 +10585,7 @@
                   <a:srgbClr val="FF0000"/>
                 </a:solidFill>
               </a:rPr>
-              <a:t>死区</a:t>
-            </a:r>
-            <a:r>
-              <a:rPr lang="zh-CN" altLang="en-US" dirty="0">
-                <a:solidFill>
-                  <a:srgbClr val="FF0000"/>
-                </a:solidFill>
-              </a:rPr>
-              <a:t>模块</a:t>
+              <a:t>死区模块</a:t>
             </a:r>
             <a:r>
               <a:rPr lang="zh-CN" altLang="en-US" dirty="0"/>
@@ -10673,15 +10685,7 @@
                   <a:srgbClr val="FF0000"/>
                 </a:solidFill>
               </a:rPr>
-              <a:t>中断</a:t>
-            </a:r>
-            <a:r>
-              <a:rPr lang="zh-CN" altLang="en-US" dirty="0">
-                <a:solidFill>
-                  <a:srgbClr val="FF0000"/>
-                </a:solidFill>
-              </a:rPr>
-              <a:t>触发模块</a:t>
+              <a:t>中断触发模块</a:t>
             </a:r>
             <a:r>
               <a:rPr lang="zh-CN" altLang="en-US" dirty="0"/>
@@ -10962,7 +10966,7 @@
                   <a:schemeClr val="tx1"/>
                 </a:solidFill>
               </a:rPr>
-              <a:t>计数模式，连续增、连续减、连续增减，如图，容易理解</a:t>
+              <a:t>计数模式，连续增、连续减、连续增减，</a:t>
             </a:r>
             <a:r>
               <a:rPr lang="zh-CN" altLang="en-US" dirty="0" smtClean="0">
@@ -10970,7 +10974,7 @@
                   <a:schemeClr val="tx1"/>
                 </a:solidFill>
               </a:rPr>
-              <a:t>。</a:t>
+              <a:t>如右图。</a:t>
             </a:r>
             <a:endParaRPr lang="en-US" altLang="zh-CN" dirty="0">
               <a:solidFill>

--- a/DSP实验课_实验三.pptx
+++ b/DSP实验课_实验三.pptx
@@ -212,7 +212,7 @@
           <a:p>
             <a:fld id="{63DFE78F-58BC-423A-A341-D0065C580108}" type="datetimeFigureOut">
               <a:rPr lang="zh-CN" altLang="en-US" smtClean="0"/>
-              <a:t>2019/5/22/Wednesday</a:t>
+              <a:t>2019/5/23/Thursday</a:t>
             </a:fld>
             <a:endParaRPr lang="zh-CN" altLang="en-US"/>
           </a:p>
@@ -7607,7 +7607,7 @@
             </a:r>
             <a:r>
               <a:rPr lang="en-US" altLang="zh-CN" dirty="0" smtClean="0"/>
-              <a:t>22</a:t>
+              <a:t>23</a:t>
             </a:r>
             <a:r>
               <a:rPr lang="zh-CN" altLang="en-US" dirty="0" smtClean="0"/>
